--- a/Codemonk.pptx
+++ b/Codemonk.pptx
@@ -8,9 +8,11 @@
     <p:sldId id="256" r:id="rId2"/>
     <p:sldId id="257" r:id="rId3"/>
     <p:sldId id="258" r:id="rId4"/>
+    <p:sldId id="259" r:id="rId5"/>
+    <p:sldId id="260" r:id="rId6"/>
   </p:sldIdLst>
   <p:notesMasterIdLst>
-    <p:notesMasterId r:id="rId5"/>
+    <p:notesMasterId r:id="rId7"/>
   </p:notesMasterIdLst>
   <p:sldSz cx="9144000" cy="5143500"/>
   <p:notesSz cx="5143500" cy="9144000"/>
@@ -107,484 +109,6 @@
     </a:lvl9pPr>
   </p:defaultTextStyle>
 </p:presentation>
-</file>
-
-<file path=ppt/charts/chart3.xml><?xml version="1.0" encoding="utf-8"?>
-<c:chartSpace xmlns:c="http://schemas.openxmlformats.org/drawingml/2006/chart" xmlns:a="http://schemas.openxmlformats.org/drawingml/2006/main" xmlns:r="http://schemas.openxmlformats.org/officeDocument/2006/relationships">
-  <c:date1904 val="0"/>
-  <c:roundedCorners val="1"/>
-  <c:chart>
-    <c:autoTitleDeleted val="1"/>
-    <c:plotArea>
-      <c:layout/>
-      <c:lineChart>
-        <c:varyColors val="0"/>
-        <c:ser>
-          <c:idx val="0"/>
-          <c:order val="0"/>
-          <c:tx>
-            <c:strRef>
-              <c:f>Sheet1!$B$1</c:f>
-              <c:strCache>
-                <c:ptCount val="1"/>
-                <c:pt idx="0">
-                  <c:v>Actual Sales</c:v>
-                </c:pt>
-              </c:strCache>
-            </c:strRef>
-          </c:tx>
-          <c:spPr>
-            <a:solidFill>
-              <a:srgbClr val="C0504D"/>
-            </a:solidFill>
-            <a:ln w="25400" cap="flat">
-              <a:solidFill>
-                <a:srgbClr val="C0504D"/>
-              </a:solidFill>
-              <a:prstDash val="solid"/>
-              <a:round/>
-            </a:ln>
-            <a:effectLst/>
-          </c:spPr>
-          <c:invertIfNegative val="0"/>
-          <c:dLbls>
-            <c:numFmt formatCode="#,##0" sourceLinked="0"/>
-            <c:txPr>
-              <a:bodyPr/>
-              <a:lstStyle/>
-              <a:p>
-                <a:pPr>
-                  <a:defRPr b="0" i="0" strike="noStrike" sz="1200" u="none">
-                    <a:solidFill>
-                      <a:srgbClr val="000000"/>
-                    </a:solidFill>
-                    <a:latin typeface="Arial"/>
-                  </a:defRPr>
-                </a:pPr>
-              </a:p>
-            </c:txPr>
-            <c:showLegendKey val="0"/>
-            <c:showVal val="0"/>
-            <c:showCatName val="0"/>
-            <c:showSerName val="0"/>
-            <c:showPercent val="0"/>
-            <c:showBubbleSize val="0"/>
-            <c:showLeaderLines val="0"/>
-          </c:dLbls>
-          <c:marker>
-            <c:symbol val="circle"/>
-            <c:size val="6"/>
-            <c:spPr>
-              <a:solidFill>
-                <a:srgbClr val="C0504D"/>
-              </a:solidFill>
-              <a:ln w="9525" cap="flat">
-                <a:solidFill>
-                  <a:srgbClr val="C0504D"/>
-                </a:solidFill>
-                <a:prstDash val="solid"/>
-                <a:round/>
-              </a:ln>
-              <a:effectLst/>
-            </c:spPr>
-          </c:marker>
-          <c:cat>
-            <c:multiLvlStrRef>
-              <c:f>Sheet1!$A$2:$A$13</c:f>
-              <c:multiLvlStrCache>
-                <c:ptCount val="12"/>
-                <c:lvl>
-                  <c:pt idx="0">
-                    <c:v>Jan</c:v>
-                  </c:pt>
-                  <c:pt idx="1">
-                    <c:v>Feb</c:v>
-                  </c:pt>
-                  <c:pt idx="2">
-                    <c:v>Mar</c:v>
-                  </c:pt>
-                  <c:pt idx="3">
-                    <c:v>Apr</c:v>
-                  </c:pt>
-                  <c:pt idx="4">
-                    <c:v>May</c:v>
-                  </c:pt>
-                  <c:pt idx="5">
-                    <c:v>Jun</c:v>
-                  </c:pt>
-                  <c:pt idx="6">
-                    <c:v>Jul</c:v>
-                  </c:pt>
-                  <c:pt idx="7">
-                    <c:v>Aug</c:v>
-                  </c:pt>
-                  <c:pt idx="8">
-                    <c:v>Sep</c:v>
-                  </c:pt>
-                  <c:pt idx="9">
-                    <c:v>Oct</c:v>
-                  </c:pt>
-                  <c:pt idx="10">
-                    <c:v>Nov</c:v>
-                  </c:pt>
-                  <c:pt idx="11">
-                    <c:v>Dec</c:v>
-                  </c:pt>
-                </c:lvl>
-              </c:multiLvlStrCache>
-            </c:multiLvlStrRef>
-          </c:cat>
-          <c:val>
-            <c:numRef>
-              <c:f>Sheet1!$B$2:$B$13</c:f>
-              <c:numCache>
-                <c:formatCode>General</c:formatCode>
-                <c:ptCount val="12"/>
-                <c:pt idx="0">
-                  <c:v>1500</c:v>
-                </c:pt>
-                <c:pt idx="1">
-                  <c:v>4600</c:v>
-                </c:pt>
-                <c:pt idx="2">
-                  <c:v>5156</c:v>
-                </c:pt>
-                <c:pt idx="3">
-                  <c:v>3167</c:v>
-                </c:pt>
-                <c:pt idx="4">
-                  <c:v>8510</c:v>
-                </c:pt>
-                <c:pt idx="5">
-                  <c:v>8009</c:v>
-                </c:pt>
-                <c:pt idx="6">
-                  <c:v>6006</c:v>
-                </c:pt>
-                <c:pt idx="7">
-                  <c:v>7855</c:v>
-                </c:pt>
-                <c:pt idx="8">
-                  <c:v>12102</c:v>
-                </c:pt>
-                <c:pt idx="9">
-                  <c:v>12789</c:v>
-                </c:pt>
-                <c:pt idx="10">
-                  <c:v>10123</c:v>
-                </c:pt>
-                <c:pt idx="11">
-                  <c:v>15121</c:v>
-                </c:pt>
-              </c:numCache>
-            </c:numRef>
-          </c:val>
-          <c:smooth val="0"/>
-        </c:ser>
-        <c:ser>
-          <c:idx val="1"/>
-          <c:order val="1"/>
-          <c:tx>
-            <c:strRef>
-              <c:f>Sheet1!$C$1</c:f>
-              <c:strCache>
-                <c:ptCount val="1"/>
-                <c:pt idx="0">
-                  <c:v>Projected Sales</c:v>
-                </c:pt>
-              </c:strCache>
-            </c:strRef>
-          </c:tx>
-          <c:spPr>
-            <a:solidFill>
-              <a:srgbClr val="4F81BD"/>
-            </a:solidFill>
-            <a:ln w="25400" cap="flat">
-              <a:solidFill>
-                <a:srgbClr val="4F81BD"/>
-              </a:solidFill>
-              <a:prstDash val="solid"/>
-              <a:round/>
-            </a:ln>
-            <a:effectLst/>
-          </c:spPr>
-          <c:invertIfNegative val="0"/>
-          <c:dLbls>
-            <c:numFmt formatCode="#,##0" sourceLinked="0"/>
-            <c:txPr>
-              <a:bodyPr/>
-              <a:lstStyle/>
-              <a:p>
-                <a:pPr>
-                  <a:defRPr b="0" i="0" strike="noStrike" sz="1200" u="none">
-                    <a:solidFill>
-                      <a:srgbClr val="000000"/>
-                    </a:solidFill>
-                    <a:latin typeface="Arial"/>
-                  </a:defRPr>
-                </a:pPr>
-              </a:p>
-            </c:txPr>
-            <c:showLegendKey val="0"/>
-            <c:showVal val="0"/>
-            <c:showCatName val="0"/>
-            <c:showSerName val="0"/>
-            <c:showPercent val="0"/>
-            <c:showBubbleSize val="0"/>
-            <c:showLeaderLines val="0"/>
-          </c:dLbls>
-          <c:marker>
-            <c:symbol val="circle"/>
-            <c:size val="6"/>
-            <c:spPr>
-              <a:solidFill>
-                <a:srgbClr val="4F81BD"/>
-              </a:solidFill>
-              <a:ln w="9525" cap="flat">
-                <a:solidFill>
-                  <a:srgbClr val="4F81BD"/>
-                </a:solidFill>
-                <a:prstDash val="solid"/>
-                <a:round/>
-              </a:ln>
-              <a:effectLst/>
-            </c:spPr>
-          </c:marker>
-          <c:cat>
-            <c:multiLvlStrRef>
-              <c:f>Sheet1!$A$2:$A$13</c:f>
-              <c:multiLvlStrCache>
-                <c:ptCount val="12"/>
-                <c:lvl>
-                  <c:pt idx="0">
-                    <c:v>Jan</c:v>
-                  </c:pt>
-                  <c:pt idx="1">
-                    <c:v>Feb</c:v>
-                  </c:pt>
-                  <c:pt idx="2">
-                    <c:v>Mar</c:v>
-                  </c:pt>
-                  <c:pt idx="3">
-                    <c:v>Apr</c:v>
-                  </c:pt>
-                  <c:pt idx="4">
-                    <c:v>May</c:v>
-                  </c:pt>
-                  <c:pt idx="5">
-                    <c:v>Jun</c:v>
-                  </c:pt>
-                  <c:pt idx="6">
-                    <c:v>Jul</c:v>
-                  </c:pt>
-                  <c:pt idx="7">
-                    <c:v>Aug</c:v>
-                  </c:pt>
-                  <c:pt idx="8">
-                    <c:v>Sep</c:v>
-                  </c:pt>
-                  <c:pt idx="9">
-                    <c:v>Oct</c:v>
-                  </c:pt>
-                  <c:pt idx="10">
-                    <c:v>Nov</c:v>
-                  </c:pt>
-                  <c:pt idx="11">
-                    <c:v>Dec</c:v>
-                  </c:pt>
-                </c:lvl>
-              </c:multiLvlStrCache>
-            </c:multiLvlStrRef>
-          </c:cat>
-          <c:val>
-            <c:numRef>
-              <c:f>Sheet1!$C$2:$C$13</c:f>
-              <c:numCache>
-                <c:formatCode>General</c:formatCode>
-                <c:ptCount val="12"/>
-                <c:pt idx="0">
-                  <c:v>1000</c:v>
-                </c:pt>
-                <c:pt idx="1">
-                  <c:v>2600</c:v>
-                </c:pt>
-                <c:pt idx="2">
-                  <c:v>3456</c:v>
-                </c:pt>
-                <c:pt idx="3">
-                  <c:v>4567</c:v>
-                </c:pt>
-                <c:pt idx="4">
-                  <c:v>5010</c:v>
-                </c:pt>
-                <c:pt idx="5">
-                  <c:v>6009</c:v>
-                </c:pt>
-                <c:pt idx="6">
-                  <c:v>7006</c:v>
-                </c:pt>
-                <c:pt idx="7">
-                  <c:v>8855</c:v>
-                </c:pt>
-                <c:pt idx="8">
-                  <c:v>9102</c:v>
-                </c:pt>
-                <c:pt idx="9">
-                  <c:v>10789</c:v>
-                </c:pt>
-                <c:pt idx="10">
-                  <c:v>11123</c:v>
-                </c:pt>
-                <c:pt idx="11">
-                  <c:v>12121</c:v>
-                </c:pt>
-              </c:numCache>
-            </c:numRef>
-          </c:val>
-          <c:smooth val="0"/>
-        </c:ser>
-        <c:dLbls>
-          <c:numFmt formatCode="#,##0" sourceLinked="0"/>
-          <c:txPr>
-            <a:bodyPr/>
-            <a:lstStyle/>
-            <a:p>
-              <a:pPr>
-                <a:defRPr b="0" i="0" strike="noStrike" sz="1200" u="none">
-                  <a:solidFill>
-                    <a:srgbClr val="000000"/>
-                  </a:solidFill>
-                  <a:latin typeface="Arial"/>
-                </a:defRPr>
-              </a:pPr>
-            </a:p>
-          </c:txPr>
-          <c:showLegendKey val="0"/>
-          <c:showVal val="0"/>
-          <c:showCatName val="0"/>
-          <c:showSerName val="0"/>
-          <c:showPercent val="0"/>
-          <c:showBubbleSize val="0"/>
-          <c:showLeaderLines val="0"/>
-        </c:dLbls>
-        <c:marker val="1"/>
-        <c:axId val="2094734554"/>
-        <c:axId val="2094734552"/>
-        <c:axId val="2094734556"/>
-      </c:lineChart>
-      <c:catAx>
-        <c:axId val="2094734554"/>
-        <c:scaling>
-          <c:orientation val="minMax"/>
-        </c:scaling>
-        <c:delete val="0"/>
-        <c:axPos val="b"/>
-        <c:numFmt formatCode="General" sourceLinked="1"/>
-        <c:majorTickMark val="out"/>
-        <c:minorTickMark val="none"/>
-        <c:tickLblPos val="low"/>
-        <c:spPr>
-          <a:ln w="12700" cap="flat">
-            <a:solidFill>
-              <a:srgbClr val="888888"/>
-            </a:solidFill>
-            <a:prstDash val="solid"/>
-            <a:round/>
-          </a:ln>
-        </c:spPr>
-        <c:txPr>
-          <a:bodyPr/>
-          <a:lstStyle/>
-          <a:p>
-            <a:pPr>
-              <a:defRPr sz="1200" b="0" i="0" u="none" strike="noStrike">
-                <a:solidFill>
-                  <a:srgbClr val="000000"/>
-                </a:solidFill>
-                <a:latin typeface="Arial"/>
-              </a:defRPr>
-            </a:pPr>
-            <a:endParaRPr lang="en-US"/>
-          </a:p>
-        </c:txPr>
-        <c:crossAx val="2094734552"/>
-        <c:crosses val="autoZero"/>
-        <c:auto val="1"/>
-        <c:lblAlgn val="ctr"/>
-        <c:noMultiLvlLbl val="1"/>
-      </c:catAx>
-      <c:valAx>
-        <c:axId val="2094734552"/>
-        <c:scaling>
-          <c:orientation val="minMax"/>
-        </c:scaling>
-        <c:delete val="0"/>
-        <c:axPos val="l"/>
-        <c:majorGridlines>
-          <c:spPr>
-            <a:ln w="12700" cap="flat">
-              <a:solidFill>
-                <a:srgbClr val="888888"/>
-              </a:solidFill>
-              <a:prstDash val="solid"/>
-              <a:round/>
-            </a:ln>
-          </c:spPr>
-        </c:majorGridlines>
-        <c:numFmt formatCode="General" sourceLinked="0"/>
-        <c:majorTickMark val="out"/>
-        <c:minorTickMark val="none"/>
-        <c:tickLblPos val="nextTo"/>
-        <c:spPr>
-          <a:ln w="12700" cap="flat">
-            <a:solidFill>
-              <a:srgbClr val="888888"/>
-            </a:solidFill>
-            <a:prstDash val="solid"/>
-            <a:round/>
-          </a:ln>
-        </c:spPr>
-        <c:txPr>
-          <a:bodyPr/>
-          <a:lstStyle/>
-          <a:p>
-            <a:pPr>
-              <a:defRPr sz="1200" b="0" i="0" u="none" strike="noStrike">
-                <a:solidFill>
-                  <a:srgbClr val="000000"/>
-                </a:solidFill>
-                <a:latin typeface="Arial"/>
-              </a:defRPr>
-            </a:pPr>
-            <a:endParaRPr lang="en-US"/>
-          </a:p>
-        </c:txPr>
-        <c:crossAx val="2094734554"/>
-        <c:crosses val="autoZero"/>
-        <c:crossBetween val="between"/>
-      </c:valAx>
-      <c:spPr>
-        <a:noFill/>
-        <a:ln>
-          <a:noFill/>
-        </a:ln>
-        <a:effectLst/>
-      </c:spPr>
-    </c:plotArea>
-    <c:plotVisOnly val="1"/>
-    <c:dispBlanksAs val="span"/>
-  </c:chart>
-  <c:spPr>
-    <a:noFill/>
-    <a:ln>
-      <a:noFill/>
-    </a:ln>
-    <a:effectLst/>
-  </c:spPr>
-  <c:externalData r:id="rId1">
-    <c:autoUpdate val="0"/>
-  </c:externalData>
-</c:chartSpace>
 </file>
 
 <file path=ppt/notesMasters/notesMaster1.xml><?xml version="1.0" encoding="utf-8"?>
@@ -1182,6 +706,182 @@
             <a:fld id="{F7021451-1387-4CA6-816F-3879F97B5CBC}" type="slidenum">
               <a:rPr lang="en-US"/>
               <a:t>3</a:t>
+            </a:fld>
+            <a:endParaRPr lang="en-US"/>
+          </a:p>
+        </p:txBody>
+      </p:sp>
+    </p:spTree>
+    <p:extLst>
+      <p:ext uri="{BB962C8B-B14F-4D97-AF65-F5344CB8AC3E}">
+        <p14:creationId xmlns:p14="http://schemas.microsoft.com/office/powerpoint/2010/main" val="1024086991"/>
+      </p:ext>
+    </p:extLst>
+  </p:cSld>
+  <p:clrMapOvr>
+    <a:masterClrMapping/>
+  </p:clrMapOvr>
+</p:notes>
+</file>
+
+<file path=ppt/notesSlides/notesSlide4.xml><?xml version="1.0" encoding="utf-8"?>
+<p:notes xmlns:a="http://schemas.openxmlformats.org/drawingml/2006/main" xmlns:r="http://schemas.openxmlformats.org/officeDocument/2006/relationships" xmlns:p="http://schemas.openxmlformats.org/presentationml/2006/main">
+  <p:cSld>
+    <p:spTree>
+      <p:nvGrpSpPr>
+        <p:cNvPr id="1" name=""/>
+        <p:cNvGrpSpPr/>
+        <p:nvPr/>
+      </p:nvGrpSpPr>
+      <p:grpSpPr>
+        <a:xfrm>
+          <a:off x="0" y="0"/>
+          <a:ext cx="0" cy="0"/>
+          <a:chOff x="0" y="0"/>
+          <a:chExt cx="0" cy="0"/>
+        </a:xfrm>
+      </p:grpSpPr>
+      <p:sp>
+        <p:nvSpPr>
+          <p:cNvPr id="2" name="Slide Image Placeholder 1"/>
+          <p:cNvSpPr>
+            <a:spLocks noGrp="1" noRot="1" noChangeAspect="1"/>
+          </p:cNvSpPr>
+          <p:nvPr>
+            <p:ph type="sldImg"/>
+          </p:nvPr>
+        </p:nvSpPr>
+        <p:spPr/>
+      </p:sp>
+      <p:sp>
+        <p:nvSpPr>
+          <p:cNvPr id="3" name="Notes Placeholder 2"/>
+          <p:cNvSpPr>
+            <a:spLocks noGrp="1"/>
+          </p:cNvSpPr>
+          <p:nvPr>
+            <p:ph type="body" idx="1"/>
+          </p:nvPr>
+        </p:nvSpPr>
+        <p:spPr/>
+        <p:txBody>
+          <a:bodyPr/>
+          <a:lstStyle/>
+          <a:p>
+            <a:r>
+              <a:rPr lang="en-US" dirty="0"/>
+              <a:t/>
+            </a:r>
+            <a:endParaRPr lang="en-US" dirty="0"/>
+          </a:p>
+        </p:txBody>
+      </p:sp>
+      <p:sp>
+        <p:nvSpPr>
+          <p:cNvPr id="4" name="Slide Number Placeholder 3"/>
+          <p:cNvSpPr>
+            <a:spLocks noGrp="1"/>
+          </p:cNvSpPr>
+          <p:nvPr>
+            <p:ph type="sldNum" sz="quarter" idx="10"/>
+          </p:nvPr>
+        </p:nvSpPr>
+        <p:spPr/>
+        <p:txBody>
+          <a:bodyPr/>
+          <a:lstStyle/>
+          <a:p>
+            <a:fld id="{F7021451-1387-4CA6-816F-3879F97B5CBC}" type="slidenum">
+              <a:rPr lang="en-US"/>
+              <a:t>4</a:t>
+            </a:fld>
+            <a:endParaRPr lang="en-US"/>
+          </a:p>
+        </p:txBody>
+      </p:sp>
+    </p:spTree>
+    <p:extLst>
+      <p:ext uri="{BB962C8B-B14F-4D97-AF65-F5344CB8AC3E}">
+        <p14:creationId xmlns:p14="http://schemas.microsoft.com/office/powerpoint/2010/main" val="1024086991"/>
+      </p:ext>
+    </p:extLst>
+  </p:cSld>
+  <p:clrMapOvr>
+    <a:masterClrMapping/>
+  </p:clrMapOvr>
+</p:notes>
+</file>
+
+<file path=ppt/notesSlides/notesSlide5.xml><?xml version="1.0" encoding="utf-8"?>
+<p:notes xmlns:a="http://schemas.openxmlformats.org/drawingml/2006/main" xmlns:r="http://schemas.openxmlformats.org/officeDocument/2006/relationships" xmlns:p="http://schemas.openxmlformats.org/presentationml/2006/main">
+  <p:cSld>
+    <p:spTree>
+      <p:nvGrpSpPr>
+        <p:cNvPr id="1" name=""/>
+        <p:cNvGrpSpPr/>
+        <p:nvPr/>
+      </p:nvGrpSpPr>
+      <p:grpSpPr>
+        <a:xfrm>
+          <a:off x="0" y="0"/>
+          <a:ext cx="0" cy="0"/>
+          <a:chOff x="0" y="0"/>
+          <a:chExt cx="0" cy="0"/>
+        </a:xfrm>
+      </p:grpSpPr>
+      <p:sp>
+        <p:nvSpPr>
+          <p:cNvPr id="2" name="Slide Image Placeholder 1"/>
+          <p:cNvSpPr>
+            <a:spLocks noGrp="1" noRot="1" noChangeAspect="1"/>
+          </p:cNvSpPr>
+          <p:nvPr>
+            <p:ph type="sldImg"/>
+          </p:nvPr>
+        </p:nvSpPr>
+        <p:spPr/>
+      </p:sp>
+      <p:sp>
+        <p:nvSpPr>
+          <p:cNvPr id="3" name="Notes Placeholder 2"/>
+          <p:cNvSpPr>
+            <a:spLocks noGrp="1"/>
+          </p:cNvSpPr>
+          <p:nvPr>
+            <p:ph type="body" idx="1"/>
+          </p:nvPr>
+        </p:nvSpPr>
+        <p:spPr/>
+        <p:txBody>
+          <a:bodyPr/>
+          <a:lstStyle/>
+          <a:p>
+            <a:r>
+              <a:rPr lang="en-US" dirty="0"/>
+              <a:t/>
+            </a:r>
+            <a:endParaRPr lang="en-US" dirty="0"/>
+          </a:p>
+        </p:txBody>
+      </p:sp>
+      <p:sp>
+        <p:nvSpPr>
+          <p:cNvPr id="4" name="Slide Number Placeholder 3"/>
+          <p:cNvSpPr>
+            <a:spLocks noGrp="1"/>
+          </p:cNvSpPr>
+          <p:nvPr>
+            <p:ph type="sldNum" sz="quarter" idx="10"/>
+          </p:nvPr>
+        </p:nvSpPr>
+        <p:spPr/>
+        <p:txBody>
+          <a:bodyPr/>
+          <a:lstStyle/>
+          <a:p>
+            <a:fld id="{F7021451-1387-4CA6-816F-3879F97B5CBC}" type="slidenum">
+              <a:rPr lang="en-US"/>
+              <a:t>5</a:t>
             </a:fld>
             <a:endParaRPr lang="en-US"/>
           </a:p>
@@ -1512,9 +1212,16 @@
   <p:cSld name="Slide 1">
     <p:bg>
       <p:bgPr>
-        <a:solidFill>
-          <a:srgbClr val="FFF59D"/>
-        </a:solidFill>
+        <a:blipFill dpi="0" rotWithShape="1">
+          <a:blip r:embed="rId1">
+            <a:lum/>
+          </a:blip>
+          <a:srcRect/>
+          <a:stretch>
+            <a:fillRect/>
+          </a:stretch>
+        </a:blipFill>
+        <a:effectLst/>
       </p:bgPr>
     </p:bg>
     <p:spTree>
@@ -1561,7 +1268,7 @@
                   <a:srgbClr val="6058D0"/>
                 </a:solidFill>
               </a:rPr>
-              <a:t>United_46</a:t>
+              <a:t>United_7</a:t>
             </a:r>
             <a:endParaRPr lang="en-US" sz="2800" dirty="0"/>
           </a:p>
@@ -1576,7 +1283,7 @@
         <p:spPr>
           <a:xfrm>
             <a:off x="457200" y="2743200"/>
-            <a:ext cx="4389120" cy="0"/>
+            <a:ext cx="8046720" cy="0"/>
           </a:xfrm>
           <a:prstGeom prst="rect">
             <a:avLst/>
@@ -1585,9 +1292,7 @@
           <a:ln/>
         </p:spPr>
         <p:txBody>
-          <a:bodyPr wrap="square" rtlCol="0" anchor="ctr">
-            <a:spAutoFit/>
-          </a:bodyPr>
+          <a:bodyPr wrap="square" rtlCol="0" anchor="ctr"/>
           <a:lstStyle/>
           <a:p>
             <a:pPr algn="l" marL="342900" indent="-342900">
@@ -1603,7 +1308,7 @@
                   <a:srgbClr val="000000"/>
                 </a:solidFill>
               </a:rPr>
-              <a:t> The importance of teamwork in achieving goals.
+              <a:t>766 Mn viewers sampled sports content in 2018.
 </a:t>
             </a:r>
             <a:pPr algn="l" indent="0" marL="0">
@@ -1618,7 +1323,7 @@
                   <a:srgbClr val="000000"/>
                 </a:solidFill>
               </a:rPr>
-              <a:t> Effective communication drives collaboration.
+              <a:t>Youth contributed 35% to live cricket viewership in 2019.
 </a:t>
             </a:r>
             <a:pPr algn="l" indent="0" marL="0">
@@ -1633,139 +1338,13 @@
                   <a:srgbClr val="000000"/>
                 </a:solidFill>
               </a:rPr>
-              <a:t> Adaptability is key to overcoming challenges.
+              <a:t>Women formed 48% of cricket viewers in 2018.
 </a:t>
             </a:r>
-            <a:pPr algn="l" indent="0" marL="0">
-              <a:lnSpc>
-                <a:spcPts val="2400"/>
-              </a:lnSpc>
-              <a:buNone/>
-            </a:pPr>
-            <a:r>
-              <a:rPr lang="en-US" sz="1400" dirty="0">
-                <a:solidFill>
-                  <a:srgbClr val="000000"/>
-                </a:solidFill>
-              </a:rPr>
-              <a:t> Focus on continuous learning and growth.
-</a:t>
-            </a:r>
-            <a:pPr algn="l" indent="0" marL="0">
-              <a:lnSpc>
-                <a:spcPts val="2400"/>
-              </a:lnSpc>
-              <a:buNone/>
-            </a:pPr>
-            <a:r>
-              <a:rPr lang="en-US" sz="1400" dirty="0">
-                <a:solidFill>
-                  <a:srgbClr val="000000"/>
-                </a:solidFill>
-              </a:rPr>
-              <a:t>Maintain a customer-centric approach in business.</a:t>
-            </a:r>
-            <a:pPr algn="l" indent="0" marL="0">
-              <a:lnSpc>
-                <a:spcPts val="2400"/>
-              </a:lnSpc>
-              <a:buNone/>
-            </a:pPr>
-            <a:r>
-              <a:rPr lang="en-US" sz="1400" dirty="0">
-                <a:solidFill>
-                  <a:srgbClr val="000000"/>
-                </a:solidFill>
-              </a:rPr>
-              <a:t> Focus on continuous learning and growth.
-</a:t>
-            </a:r>
-            <a:pPr algn="l" indent="0" marL="0">
-              <a:lnSpc>
-                <a:spcPts val="2400"/>
-              </a:lnSpc>
-              <a:buNone/>
-            </a:pPr>
-            <a:r>
-              <a:rPr lang="en-US" sz="1400" dirty="0">
-                <a:solidFill>
-                  <a:srgbClr val="000000"/>
-                </a:solidFill>
-              </a:rPr>
-              <a:t>Maintain a customer-centric approach in business.</a:t>
-            </a:r>
-            <a:pPr algn="l" indent="0" marL="0">
-              <a:lnSpc>
-                <a:spcPts val="2400"/>
-              </a:lnSpc>
-              <a:buNone/>
-            </a:pPr>
-            <a:r>
-              <a:rPr lang="en-US" sz="1400" dirty="0">
-                <a:solidFill>
-                  <a:srgbClr val="000000"/>
-                </a:solidFill>
-              </a:rPr>
-              <a:t> Effective communication drives collaboration.
-</a:t>
-            </a:r>
-            <a:pPr algn="l" indent="0" marL="0">
-              <a:lnSpc>
-                <a:spcPts val="2400"/>
-              </a:lnSpc>
-              <a:buNone/>
-            </a:pPr>
-            <a:r>
-              <a:rPr lang="en-US" sz="1400" dirty="0">
-                <a:solidFill>
-                  <a:srgbClr val="000000"/>
-                </a:solidFill>
-              </a:rPr>
-              <a:t> Adaptability is key to overcoming challenges.
-</a:t>
-            </a:r>
-            <a:pPr algn="l" indent="0" marL="0">
-              <a:lnSpc>
-                <a:spcPts val="2400"/>
-              </a:lnSpc>
-              <a:buNone/>
-            </a:pPr>
-            <a:r>
-              <a:rPr lang="en-US" sz="1400" dirty="0">
-                <a:solidFill>
-                  <a:srgbClr val="000000"/>
-                </a:solidFill>
-              </a:rPr>
-              <a:t> Adaptability is key to overcoming challenges.</a:t>
-            </a:r>
             <a:endParaRPr lang="en-US" sz="1400" dirty="0"/>
           </a:p>
         </p:txBody>
       </p:sp>
-      <p:pic>
-        <p:nvPicPr>
-          <p:cNvPr id="4" name="Image 0" descr="https://media.istockphoto.com/id/1241682184/photo/bird-on-top-of-a-stick.jpg?s=2048x2048&amp;w=is&amp;k=20&amp;c=kFLLe-NPodHtMIlvHbtNMNXUfTJyddny_BMpGY9diFE=">    </p:cNvPr>
-          <p:cNvPicPr>
-            <a:picLocks noChangeAspect="1"/>
-          </p:cNvPicPr>
-          <p:nvPr/>
-        </p:nvPicPr>
-        <p:blipFill>
-          <a:blip r:embed="rId1"/>
-          <a:stretch>
-            <a:fillRect/>
-          </a:stretch>
-        </p:blipFill>
-        <p:spPr>
-          <a:xfrm>
-            <a:off x="4572000" y="914400"/>
-            <a:ext cx="4114800" cy="3657600"/>
-          </a:xfrm>
-          <a:prstGeom prst="rect">
-            <a:avLst/>
-          </a:prstGeom>
-        </p:spPr>
-      </p:pic>
     </p:spTree>
   </p:cSld>
   <p:clrMapOvr>
@@ -1779,9 +1358,16 @@
   <p:cSld name="Slide 2">
     <p:bg>
       <p:bgPr>
-        <a:solidFill>
-          <a:srgbClr val="FFF59D"/>
-        </a:solidFill>
+        <a:blipFill dpi="0" rotWithShape="1">
+          <a:blip r:embed="rId1">
+            <a:lum/>
+          </a:blip>
+          <a:srcRect/>
+          <a:stretch>
+            <a:fillRect/>
+          </a:stretch>
+        </a:blipFill>
+        <a:effectLst/>
       </p:bgPr>
     </p:bg>
     <p:spTree>
@@ -1822,50 +1408,89 @@
             <a:pPr algn="l" indent="0" marL="0">
               <a:buNone/>
             </a:pPr>
+            <a:r>
+              <a:rPr lang="en-US" sz="2800" b="1" dirty="0">
+                <a:solidFill>
+                  <a:srgbClr val="6058D0"/>
+                </a:solidFill>
+              </a:rPr>
+              <a:t>United_7</a:t>
+            </a:r>
             <a:endParaRPr lang="en-US" sz="2800" dirty="0"/>
           </a:p>
         </p:txBody>
       </p:sp>
-      <p:pic>
-        <p:nvPicPr>
-          <p:cNvPr id="3" name="Image 0" descr="https://media.istockphoto.com/id/1241682184/photo/bird-on-top-of-a-stick.jpg?s=2048x2048&amp;w=is&amp;k=20&amp;c=kFLLe-NPodHtMIlvHbtNMNXUfTJyddny_BMpGY9diFE=">    </p:cNvPr>
-          <p:cNvPicPr>
-            <a:picLocks noChangeAspect="1"/>
-          </p:cNvPicPr>
+      <p:sp>
+        <p:nvSpPr>
+          <p:cNvPr id="3" name="Text 1"/>
+          <p:cNvSpPr/>
           <p:nvPr/>
-        </p:nvPicPr>
-        <p:blipFill>
-          <a:blip r:embed="rId1"/>
-          <a:stretch>
-            <a:fillRect/>
-          </a:stretch>
-        </p:blipFill>
+        </p:nvSpPr>
         <p:spPr>
           <a:xfrm>
-            <a:off x="914400" y="1188720"/>
-            <a:ext cx="7772400" cy="1828800"/>
+            <a:off x="457200" y="2743200"/>
+            <a:ext cx="8046720" cy="0"/>
           </a:xfrm>
           <a:prstGeom prst="rect">
             <a:avLst/>
           </a:prstGeom>
+          <a:noFill/>
+          <a:ln/>
         </p:spPr>
-      </p:pic>
-      <p:graphicFrame>
-        <p:nvGraphicFramePr>
-          <p:cNvPr id="4" name="Chart 0" descr=""/>
-          <p:cNvGraphicFramePr/>
-          <p:nvPr/>
-        </p:nvGraphicFramePr>
-        <p:xfrm>
-          <a:off x="914400" y="3200400"/>
-          <a:ext cx="7772400" cy="1828800"/>
-        </p:xfrm>
-        <a:graphic xmlns:a="http://schemas.openxmlformats.org/drawingml/2006/main">
-          <a:graphicData uri="http://schemas.openxmlformats.org/drawingml/2006/chart">
-            <c:chart xmlns:c="http://schemas.openxmlformats.org/drawingml/2006/chart" r:id="rId2"/>
-          </a:graphicData>
-        </a:graphic>
-      </p:graphicFrame>
+        <p:txBody>
+          <a:bodyPr wrap="square" rtlCol="0" anchor="ctr"/>
+          <a:lstStyle/>
+          <a:p>
+            <a:pPr algn="l" marL="342900" indent="-342900">
+              <a:lnSpc>
+                <a:spcPts val="2400"/>
+              </a:lnSpc>
+              <a:buSzPct val="100000"/>
+              <a:buChar char="•"/>
+            </a:pPr>
+            <a:r>
+              <a:rPr lang="en-US" sz="1400" dirty="0">
+                <a:solidFill>
+                  <a:srgbClr val="000000"/>
+                </a:solidFill>
+              </a:rPr>
+              <a:t>IPL viewership and watch time grew from 2016 to 2018.
+</a:t>
+            </a:r>
+            <a:pPr algn="l" indent="0" marL="0">
+              <a:lnSpc>
+                <a:spcPts val="2400"/>
+              </a:lnSpc>
+              <a:buNone/>
+            </a:pPr>
+            <a:r>
+              <a:rPr lang="en-US" sz="1400" dirty="0">
+                <a:solidFill>
+                  <a:srgbClr val="000000"/>
+                </a:solidFill>
+              </a:rPr>
+              <a:t>NCCS AB cricket viewers reached 56% in 2019.
+</a:t>
+            </a:r>
+            <a:pPr algn="l" indent="0" marL="0">
+              <a:lnSpc>
+                <a:spcPts val="2400"/>
+              </a:lnSpc>
+              <a:buNone/>
+            </a:pPr>
+            <a:r>
+              <a:rPr lang="en-US" sz="1400" dirty="0">
+                <a:solidFill>
+                  <a:srgbClr val="000000"/>
+                </a:solidFill>
+              </a:rPr>
+              <a:t>India-Pakistan ODIs gained massive viewership.
+</a:t>
+            </a:r>
+            <a:endParaRPr lang="en-US" sz="1400" dirty="0"/>
+          </a:p>
+        </p:txBody>
+      </p:sp>
     </p:spTree>
   </p:cSld>
   <p:clrMapOvr>
@@ -1879,9 +1504,16 @@
   <p:cSld name="Slide 3">
     <p:bg>
       <p:bgPr>
-        <a:solidFill>
-          <a:srgbClr val="FFF59D"/>
-        </a:solidFill>
+        <a:blipFill dpi="0" rotWithShape="1">
+          <a:blip r:embed="rId1">
+            <a:lum/>
+          </a:blip>
+          <a:srcRect/>
+          <a:stretch>
+            <a:fillRect/>
+          </a:stretch>
+        </a:blipFill>
+        <a:effectLst/>
       </p:bgPr>
     </p:bg>
     <p:spTree>
@@ -1922,34 +1554,381 @@
             <a:pPr algn="l" indent="0" marL="0">
               <a:buNone/>
             </a:pPr>
+            <a:r>
+              <a:rPr lang="en-US" sz="2800" b="1" dirty="0">
+                <a:solidFill>
+                  <a:srgbClr val="6058D0"/>
+                </a:solidFill>
+              </a:rPr>
+              <a:t>United_7</a:t>
+            </a:r>
             <a:endParaRPr lang="en-US" sz="2800" dirty="0"/>
           </a:p>
         </p:txBody>
       </p:sp>
-      <p:pic>
-        <p:nvPicPr>
-          <p:cNvPr id="3" name="Image 0" descr="https://media.istockphoto.com/id/1241682184/photo/bird-on-top-of-a-stick.jpg?s=2048x2048&amp;w=is&amp;k=20&amp;c=kFLLe-NPodHtMIlvHbtNMNXUfTJyddny_BMpGY9diFE=">    </p:cNvPr>
-          <p:cNvPicPr>
-            <a:picLocks noChangeAspect="1"/>
-          </p:cNvPicPr>
+      <p:sp>
+        <p:nvSpPr>
+          <p:cNvPr id="3" name="Text 1"/>
+          <p:cNvSpPr/>
           <p:nvPr/>
-        </p:nvPicPr>
-        <p:blipFill>
-          <a:blip r:embed="rId1"/>
-          <a:stretch>
-            <a:fillRect/>
-          </a:stretch>
-        </p:blipFill>
+        </p:nvSpPr>
         <p:spPr>
           <a:xfrm>
-            <a:off x="182880" y="914400"/>
-            <a:ext cx="8229600" cy="3657600"/>
+            <a:off x="457200" y="2743200"/>
+            <a:ext cx="8046720" cy="0"/>
           </a:xfrm>
           <a:prstGeom prst="rect">
             <a:avLst/>
           </a:prstGeom>
+          <a:noFill/>
+          <a:ln/>
         </p:spPr>
-      </p:pic>
+        <p:txBody>
+          <a:bodyPr wrap="square" rtlCol="0" anchor="ctr"/>
+          <a:lstStyle/>
+          <a:p>
+            <a:pPr algn="l" marL="342900" indent="-342900">
+              <a:lnSpc>
+                <a:spcPts val="2400"/>
+              </a:lnSpc>
+              <a:buSzPct val="100000"/>
+              <a:buChar char="•"/>
+            </a:pPr>
+            <a:r>
+              <a:rPr lang="en-US" sz="1400" dirty="0">
+                <a:solidFill>
+                  <a:srgbClr val="000000"/>
+                </a:solidFill>
+              </a:rPr>
+              <a:t>Women's cricket offers better ROI compared to T20 leagues.
+</a:t>
+            </a:r>
+            <a:pPr algn="l" indent="0" marL="0">
+              <a:lnSpc>
+                <a:spcPts val="2400"/>
+              </a:lnSpc>
+              <a:buNone/>
+            </a:pPr>
+            <a:r>
+              <a:rPr lang="en-US" sz="1400" dirty="0">
+                <a:solidFill>
+                  <a:srgbClr val="000000"/>
+                </a:solidFill>
+              </a:rPr>
+              <a:t>93% of all 2018 sports viewers watched cricket.
+</a:t>
+            </a:r>
+            <a:pPr algn="l" indent="0" marL="0">
+              <a:lnSpc>
+                <a:spcPts val="2400"/>
+              </a:lnSpc>
+              <a:buNone/>
+            </a:pPr>
+            <a:r>
+              <a:rPr lang="en-US" sz="1400" dirty="0">
+                <a:solidFill>
+                  <a:srgbClr val="000000"/>
+                </a:solidFill>
+              </a:rPr>
+              <a:t>Cricket programming increased by 79% in 2018.
+</a:t>
+            </a:r>
+            <a:endParaRPr lang="en-US" sz="1400" dirty="0"/>
+          </a:p>
+        </p:txBody>
+      </p:sp>
+    </p:spTree>
+  </p:cSld>
+  <p:clrMapOvr>
+    <a:masterClrMapping/>
+  </p:clrMapOvr>
+</p:sld>
+</file>
+
+<file path=ppt/slides/slide4.xml><?xml version="1.0" encoding="utf-8"?>
+<p:sld xmlns:a="http://schemas.openxmlformats.org/drawingml/2006/main" xmlns:r="http://schemas.openxmlformats.org/officeDocument/2006/relationships" xmlns:p="http://schemas.openxmlformats.org/presentationml/2006/main">
+  <p:cSld name="Slide 4">
+    <p:bg>
+      <p:bgPr>
+        <a:blipFill dpi="0" rotWithShape="1">
+          <a:blip r:embed="rId1">
+            <a:lum/>
+          </a:blip>
+          <a:srcRect/>
+          <a:stretch>
+            <a:fillRect/>
+          </a:stretch>
+        </a:blipFill>
+        <a:effectLst/>
+      </p:bgPr>
+    </p:bg>
+    <p:spTree>
+      <p:nvGrpSpPr>
+        <p:cNvPr id="1" name=""/>
+        <p:cNvGrpSpPr/>
+        <p:nvPr/>
+      </p:nvGrpSpPr>
+      <p:grpSpPr>
+        <a:xfrm>
+          <a:off x="0" y="0"/>
+          <a:ext cx="0" cy="0"/>
+          <a:chOff x="0" y="0"/>
+          <a:chExt cx="0" cy="0"/>
+        </a:xfrm>
+      </p:grpSpPr>
+      <p:sp>
+        <p:nvSpPr>
+          <p:cNvPr id="2" name="Text 0"/>
+          <p:cNvSpPr/>
+          <p:nvPr/>
+        </p:nvSpPr>
+        <p:spPr>
+          <a:xfrm>
+            <a:off x="548640" y="731520"/>
+            <a:ext cx="6858000" cy="0"/>
+          </a:xfrm>
+          <a:prstGeom prst="rect">
+            <a:avLst/>
+          </a:prstGeom>
+          <a:noFill/>
+          <a:ln/>
+        </p:spPr>
+        <p:txBody>
+          <a:bodyPr wrap="square" rtlCol="0" anchor="ctr"/>
+          <a:lstStyle/>
+          <a:p>
+            <a:pPr algn="l" indent="0" marL="0">
+              <a:buNone/>
+            </a:pPr>
+            <a:r>
+              <a:rPr lang="en-US" sz="2800" b="1" dirty="0">
+                <a:solidFill>
+                  <a:srgbClr val="6058D0"/>
+                </a:solidFill>
+              </a:rPr>
+              <a:t>United_7</a:t>
+            </a:r>
+            <a:endParaRPr lang="en-US" sz="2800" dirty="0"/>
+          </a:p>
+        </p:txBody>
+      </p:sp>
+      <p:sp>
+        <p:nvSpPr>
+          <p:cNvPr id="3" name="Text 1"/>
+          <p:cNvSpPr/>
+          <p:nvPr/>
+        </p:nvSpPr>
+        <p:spPr>
+          <a:xfrm>
+            <a:off x="457200" y="2743200"/>
+            <a:ext cx="8046720" cy="0"/>
+          </a:xfrm>
+          <a:prstGeom prst="rect">
+            <a:avLst/>
+          </a:prstGeom>
+          <a:noFill/>
+          <a:ln/>
+        </p:spPr>
+        <p:txBody>
+          <a:bodyPr wrap="square" rtlCol="0" anchor="ctr"/>
+          <a:lstStyle/>
+          <a:p>
+            <a:pPr algn="l" marL="342900" indent="-342900">
+              <a:lnSpc>
+                <a:spcPts val="2400"/>
+              </a:lnSpc>
+              <a:buSzPct val="100000"/>
+              <a:buChar char="•"/>
+            </a:pPr>
+            <a:r>
+              <a:rPr lang="en-US" sz="1400" dirty="0">
+                <a:solidFill>
+                  <a:srgbClr val="000000"/>
+                </a:solidFill>
+              </a:rPr>
+              <a:t>India matches accounted for over 50% of airtime.
+</a:t>
+            </a:r>
+            <a:pPr algn="l" indent="0" marL="0">
+              <a:lnSpc>
+                <a:spcPts val="2400"/>
+              </a:lnSpc>
+              <a:buNone/>
+            </a:pPr>
+            <a:r>
+              <a:rPr lang="en-US" sz="1400" dirty="0">
+                <a:solidFill>
+                  <a:srgbClr val="000000"/>
+                </a:solidFill>
+              </a:rPr>
+              <a:t>T20 viewership was strong from 2016 to 2018.
+</a:t>
+            </a:r>
+            <a:pPr algn="l" indent="0" marL="0">
+              <a:lnSpc>
+                <a:spcPts val="2400"/>
+              </a:lnSpc>
+              <a:buNone/>
+            </a:pPr>
+            <a:r>
+              <a:rPr lang="en-US" sz="1400" dirty="0">
+                <a:solidFill>
+                  <a:srgbClr val="000000"/>
+                </a:solidFill>
+              </a:rPr>
+              <a:t>IPL dominated cricket viewership at 40% share.
+</a:t>
+            </a:r>
+            <a:endParaRPr lang="en-US" sz="1400" dirty="0"/>
+          </a:p>
+        </p:txBody>
+      </p:sp>
+    </p:spTree>
+  </p:cSld>
+  <p:clrMapOvr>
+    <a:masterClrMapping/>
+  </p:clrMapOvr>
+</p:sld>
+</file>
+
+<file path=ppt/slides/slide5.xml><?xml version="1.0" encoding="utf-8"?>
+<p:sld xmlns:a="http://schemas.openxmlformats.org/drawingml/2006/main" xmlns:r="http://schemas.openxmlformats.org/officeDocument/2006/relationships" xmlns:p="http://schemas.openxmlformats.org/presentationml/2006/main">
+  <p:cSld name="Slide 5">
+    <p:bg>
+      <p:bgPr>
+        <a:blipFill dpi="0" rotWithShape="1">
+          <a:blip r:embed="rId1">
+            <a:lum/>
+          </a:blip>
+          <a:srcRect/>
+          <a:stretch>
+            <a:fillRect/>
+          </a:stretch>
+        </a:blipFill>
+        <a:effectLst/>
+      </p:bgPr>
+    </p:bg>
+    <p:spTree>
+      <p:nvGrpSpPr>
+        <p:cNvPr id="1" name=""/>
+        <p:cNvGrpSpPr/>
+        <p:nvPr/>
+      </p:nvGrpSpPr>
+      <p:grpSpPr>
+        <a:xfrm>
+          <a:off x="0" y="0"/>
+          <a:ext cx="0" cy="0"/>
+          <a:chOff x="0" y="0"/>
+          <a:chExt cx="0" cy="0"/>
+        </a:xfrm>
+      </p:grpSpPr>
+      <p:sp>
+        <p:nvSpPr>
+          <p:cNvPr id="2" name="Text 0"/>
+          <p:cNvSpPr/>
+          <p:nvPr/>
+        </p:nvSpPr>
+        <p:spPr>
+          <a:xfrm>
+            <a:off x="548640" y="731520"/>
+            <a:ext cx="6858000" cy="0"/>
+          </a:xfrm>
+          <a:prstGeom prst="rect">
+            <a:avLst/>
+          </a:prstGeom>
+          <a:noFill/>
+          <a:ln/>
+        </p:spPr>
+        <p:txBody>
+          <a:bodyPr wrap="square" rtlCol="0" anchor="ctr"/>
+          <a:lstStyle/>
+          <a:p>
+            <a:pPr algn="l" indent="0" marL="0">
+              <a:buNone/>
+            </a:pPr>
+            <a:r>
+              <a:rPr lang="en-US" sz="2800" b="1" dirty="0">
+                <a:solidFill>
+                  <a:srgbClr val="6058D0"/>
+                </a:solidFill>
+              </a:rPr>
+              <a:t>United_7</a:t>
+            </a:r>
+            <a:endParaRPr lang="en-US" sz="2800" dirty="0"/>
+          </a:p>
+        </p:txBody>
+      </p:sp>
+      <p:sp>
+        <p:nvSpPr>
+          <p:cNvPr id="3" name="Text 1"/>
+          <p:cNvSpPr/>
+          <p:nvPr/>
+        </p:nvSpPr>
+        <p:spPr>
+          <a:xfrm>
+            <a:off x="457200" y="2743200"/>
+            <a:ext cx="8046720" cy="0"/>
+          </a:xfrm>
+          <a:prstGeom prst="rect">
+            <a:avLst/>
+          </a:prstGeom>
+          <a:noFill/>
+          <a:ln/>
+        </p:spPr>
+        <p:txBody>
+          <a:bodyPr wrap="square" rtlCol="0" anchor="ctr"/>
+          <a:lstStyle/>
+          <a:p>
+            <a:pPr algn="l" marL="342900" indent="-342900">
+              <a:lnSpc>
+                <a:spcPts val="2400"/>
+              </a:lnSpc>
+              <a:buSzPct val="100000"/>
+              <a:buChar char="•"/>
+            </a:pPr>
+            <a:r>
+              <a:rPr lang="en-US" sz="1400" dirty="0">
+                <a:solidFill>
+                  <a:srgbClr val="000000"/>
+                </a:solidFill>
+              </a:rPr>
+              <a:t>Ads in India cricket matches grew by 38% from 2016 to 2018.
+</a:t>
+            </a:r>
+            <a:pPr algn="l" indent="0" marL="0">
+              <a:lnSpc>
+                <a:spcPts val="2400"/>
+              </a:lnSpc>
+              <a:buNone/>
+            </a:pPr>
+            <a:r>
+              <a:rPr lang="en-US" sz="1400" dirty="0">
+                <a:solidFill>
+                  <a:srgbClr val="000000"/>
+                </a:solidFill>
+              </a:rPr>
+              <a:t>Live cricket showed faster growth in ad rates.
+</a:t>
+            </a:r>
+            <a:pPr algn="l" indent="0" marL="0">
+              <a:lnSpc>
+                <a:spcPts val="2400"/>
+              </a:lnSpc>
+              <a:buNone/>
+            </a:pPr>
+            <a:r>
+              <a:rPr lang="en-US" sz="1400" dirty="0">
+                <a:solidFill>
+                  <a:srgbClr val="000000"/>
+                </a:solidFill>
+              </a:rPr>
+              <a:t>International matches saw significant ad growth.
+</a:t>
+            </a:r>
+            <a:endParaRPr lang="en-US" sz="1400" dirty="0"/>
+          </a:p>
+        </p:txBody>
+      </p:sp>
     </p:spTree>
   </p:cSld>
   <p:clrMapOvr>

--- a/Codemonk.pptx
+++ b/Codemonk.pptx
@@ -1283,7 +1283,7 @@
         <p:spPr>
           <a:xfrm>
             <a:off x="457200" y="2743200"/>
-            <a:ext cx="8046720" cy="0"/>
+            <a:ext cx="4389120" cy="0"/>
           </a:xfrm>
           <a:prstGeom prst="rect">
             <a:avLst/>
@@ -1292,7 +1292,9 @@
           <a:ln/>
         </p:spPr>
         <p:txBody>
-          <a:bodyPr wrap="square" rtlCol="0" anchor="ctr"/>
+          <a:bodyPr wrap="square" rtlCol="0" anchor="ctr">
+            <a:spAutoFit/>
+          </a:bodyPr>
           <a:lstStyle/>
           <a:p>
             <a:pPr algn="l" marL="342900" indent="-342900">
@@ -1345,6 +1347,626 @@
           </a:p>
         </p:txBody>
       </p:sp>
+      <p:graphicFrame>
+        <p:nvGraphicFramePr>
+          <p:cNvPr id="2" name="Table 0"/>
+          <p:cNvGraphicFramePr>
+            <a:graphicFrameLocks noGrp="1"/>
+          </p:cNvGraphicFramePr>
+          <p:nvPr>
+            <p:extLst>
+              <p:ext uri="{D42A27DB-BD31-4B8C-83A1-F6EECF244321}">
+                <p14:modId xmlns:p14="http://schemas.microsoft.com/office/powerpoint/2010/main" val="1579011935"/>
+              </p:ext>
+            </p:extLst>
+          </p:nvPr>
+        </p:nvGraphicFramePr>
+        <p:xfrm>
+          <a:off x="4937760" y="1371600"/>
+          <a:ext cx="4114800" cy="914400"/>
+        </p:xfrm>
+        <a:graphic>
+          <a:graphicData uri="http://schemas.openxmlformats.org/drawingml/2006/table">
+            <a:tbl>
+              <a:tblPr/>
+              <a:tblGrid>
+                <a:gridCol w="2057400"/>
+                <a:gridCol w="2057400"/>
+              </a:tblGrid>
+              <a:tr h="0">
+                <a:tc>
+                  <a:txBody>
+                    <a:bodyPr/>
+                    <a:lstStyle/>
+                    <a:p>
+                      <a:pPr indent="0" marL="0">
+                        <a:buNone/>
+                      </a:pPr>
+                      <a:r>
+                        <a:rPr lang="en-US" sz="1200" b="1" dirty="0">
+                          <a:solidFill>
+                            <a:srgbClr val="000000"/>
+                          </a:solidFill>
+                        </a:rPr>
+                        <a:t>Header 1</a:t>
+                      </a:r>
+                      <a:endParaRPr lang="en-US" sz="1200" dirty="0"/>
+                    </a:p>
+                  </a:txBody>
+                  <a:tcPr marL="91440" marR="91440" marT="45720" marB="45720">
+                    <a:lnL w="12700" cap="flat" cmpd="sng" algn="ctr">
+                      <a:solidFill>
+                        <a:srgbClr val="000000"/>
+                      </a:solidFill>
+                      <a:prstDash val="solid"/>
+                      <a:round/>
+                      <a:headEnd type="none" w="med" len="med"/>
+                      <a:tailEnd type="none" w="med" len="med"/>
+                    </a:lnL>
+                    <a:lnR w="12700" cap="flat" cmpd="sng" algn="ctr">
+                      <a:solidFill>
+                        <a:srgbClr val="000000"/>
+                      </a:solidFill>
+                      <a:prstDash val="solid"/>
+                      <a:round/>
+                      <a:headEnd type="none" w="med" len="med"/>
+                      <a:tailEnd type="none" w="med" len="med"/>
+                    </a:lnR>
+                    <a:lnT w="12700" cap="flat" cmpd="sng" algn="ctr">
+                      <a:solidFill>
+                        <a:srgbClr val="000000"/>
+                      </a:solidFill>
+                      <a:prstDash val="solid"/>
+                      <a:round/>
+                      <a:headEnd type="none" w="med" len="med"/>
+                      <a:tailEnd type="none" w="med" len="med"/>
+                    </a:lnT>
+                    <a:lnB w="12700" cap="flat" cmpd="sng" algn="ctr">
+                      <a:solidFill>
+                        <a:srgbClr val="000000"/>
+                      </a:solidFill>
+                      <a:prstDash val="solid"/>
+                      <a:round/>
+                      <a:headEnd type="none" w="med" len="med"/>
+                      <a:tailEnd type="none" w="med" len="med"/>
+                    </a:lnB>
+                  </a:tcPr>
+                </a:tc>
+                <a:tc>
+                  <a:txBody>
+                    <a:bodyPr/>
+                    <a:lstStyle/>
+                    <a:p>
+                      <a:pPr indent="0" marL="0">
+                        <a:buNone/>
+                      </a:pPr>
+                      <a:r>
+                        <a:rPr lang="en-US" sz="1200" b="1" dirty="0">
+                          <a:solidFill>
+                            <a:srgbClr val="000000"/>
+                          </a:solidFill>
+                        </a:rPr>
+                        <a:t>Header 2</a:t>
+                      </a:r>
+                      <a:endParaRPr lang="en-US" sz="1200" dirty="0"/>
+                    </a:p>
+                  </a:txBody>
+                  <a:tcPr marL="91440" marR="91440" marT="45720" marB="45720">
+                    <a:lnL w="12700" cap="flat" cmpd="sng" algn="ctr">
+                      <a:solidFill>
+                        <a:srgbClr val="000000"/>
+                      </a:solidFill>
+                      <a:prstDash val="solid"/>
+                      <a:round/>
+                      <a:headEnd type="none" w="med" len="med"/>
+                      <a:tailEnd type="none" w="med" len="med"/>
+                    </a:lnL>
+                    <a:lnR w="12700" cap="flat" cmpd="sng" algn="ctr">
+                      <a:solidFill>
+                        <a:srgbClr val="000000"/>
+                      </a:solidFill>
+                      <a:prstDash val="solid"/>
+                      <a:round/>
+                      <a:headEnd type="none" w="med" len="med"/>
+                      <a:tailEnd type="none" w="med" len="med"/>
+                    </a:lnR>
+                    <a:lnT w="12700" cap="flat" cmpd="sng" algn="ctr">
+                      <a:solidFill>
+                        <a:srgbClr val="000000"/>
+                      </a:solidFill>
+                      <a:prstDash val="solid"/>
+                      <a:round/>
+                      <a:headEnd type="none" w="med" len="med"/>
+                      <a:tailEnd type="none" w="med" len="med"/>
+                    </a:lnT>
+                    <a:lnB w="12700" cap="flat" cmpd="sng" algn="ctr">
+                      <a:solidFill>
+                        <a:srgbClr val="000000"/>
+                      </a:solidFill>
+                      <a:prstDash val="solid"/>
+                      <a:round/>
+                      <a:headEnd type="none" w="med" len="med"/>
+                      <a:tailEnd type="none" w="med" len="med"/>
+                    </a:lnB>
+                  </a:tcPr>
+                </a:tc>
+              </a:tr>
+              <a:tr h="0">
+                <a:tc>
+                  <a:txBody>
+                    <a:bodyPr/>
+                    <a:lstStyle/>
+                    <a:p>
+                      <a:pPr indent="0" marL="0">
+                        <a:buNone/>
+                      </a:pPr>
+                      <a:r>
+                        <a:rPr lang="en-US" sz="1200" dirty="0">
+                          <a:solidFill>
+                            <a:srgbClr val="000000"/>
+                          </a:solidFill>
+                        </a:rPr>
+                        <a:t>Name</a:t>
+                      </a:r>
+                      <a:endParaRPr lang="en-US" sz="1200" dirty="0"/>
+                    </a:p>
+                  </a:txBody>
+                  <a:tcPr marL="91440" marR="91440" marT="45720" marB="45720">
+                    <a:lnL w="12700" cap="flat" cmpd="sng" algn="ctr">
+                      <a:solidFill>
+                        <a:srgbClr val="000000"/>
+                      </a:solidFill>
+                      <a:prstDash val="solid"/>
+                      <a:round/>
+                      <a:headEnd type="none" w="med" len="med"/>
+                      <a:tailEnd type="none" w="med" len="med"/>
+                    </a:lnL>
+                    <a:lnR w="12700" cap="flat" cmpd="sng" algn="ctr">
+                      <a:solidFill>
+                        <a:srgbClr val="000000"/>
+                      </a:solidFill>
+                      <a:prstDash val="solid"/>
+                      <a:round/>
+                      <a:headEnd type="none" w="med" len="med"/>
+                      <a:tailEnd type="none" w="med" len="med"/>
+                    </a:lnR>
+                    <a:lnT w="12700" cap="flat" cmpd="sng" algn="ctr">
+                      <a:solidFill>
+                        <a:srgbClr val="000000"/>
+                      </a:solidFill>
+                      <a:prstDash val="solid"/>
+                      <a:round/>
+                      <a:headEnd type="none" w="med" len="med"/>
+                      <a:tailEnd type="none" w="med" len="med"/>
+                    </a:lnT>
+                    <a:lnB w="12700" cap="flat" cmpd="sng" algn="ctr">
+                      <a:solidFill>
+                        <a:srgbClr val="000000"/>
+                      </a:solidFill>
+                      <a:prstDash val="solid"/>
+                      <a:round/>
+                      <a:headEnd type="none" w="med" len="med"/>
+                      <a:tailEnd type="none" w="med" len="med"/>
+                    </a:lnB>
+                  </a:tcPr>
+                </a:tc>
+                <a:tc>
+                  <a:txBody>
+                    <a:bodyPr/>
+                    <a:lstStyle/>
+                    <a:p>
+                      <a:pPr indent="0" marL="0">
+                        <a:buNone/>
+                      </a:pPr>
+                      <a:r>
+                        <a:rPr lang="en-US" sz="1200" dirty="0">
+                          <a:solidFill>
+                            <a:srgbClr val="000000"/>
+                          </a:solidFill>
+                        </a:rPr>
+                        <a:t>MS DHONI</a:t>
+                      </a:r>
+                      <a:endParaRPr lang="en-US" sz="1200" dirty="0"/>
+                    </a:p>
+                  </a:txBody>
+                  <a:tcPr marL="91440" marR="91440" marT="45720" marB="45720">
+                    <a:lnL w="12700" cap="flat" cmpd="sng" algn="ctr">
+                      <a:solidFill>
+                        <a:srgbClr val="000000"/>
+                      </a:solidFill>
+                      <a:prstDash val="solid"/>
+                      <a:round/>
+                      <a:headEnd type="none" w="med" len="med"/>
+                      <a:tailEnd type="none" w="med" len="med"/>
+                    </a:lnL>
+                    <a:lnR w="12700" cap="flat" cmpd="sng" algn="ctr">
+                      <a:solidFill>
+                        <a:srgbClr val="000000"/>
+                      </a:solidFill>
+                      <a:prstDash val="solid"/>
+                      <a:round/>
+                      <a:headEnd type="none" w="med" len="med"/>
+                      <a:tailEnd type="none" w="med" len="med"/>
+                    </a:lnR>
+                    <a:lnT w="12700" cap="flat" cmpd="sng" algn="ctr">
+                      <a:solidFill>
+                        <a:srgbClr val="000000"/>
+                      </a:solidFill>
+                      <a:prstDash val="solid"/>
+                      <a:round/>
+                      <a:headEnd type="none" w="med" len="med"/>
+                      <a:tailEnd type="none" w="med" len="med"/>
+                    </a:lnT>
+                    <a:lnB w="12700" cap="flat" cmpd="sng" algn="ctr">
+                      <a:solidFill>
+                        <a:srgbClr val="000000"/>
+                      </a:solidFill>
+                      <a:prstDash val="solid"/>
+                      <a:round/>
+                      <a:headEnd type="none" w="med" len="med"/>
+                      <a:tailEnd type="none" w="med" len="med"/>
+                    </a:lnB>
+                  </a:tcPr>
+                </a:tc>
+              </a:tr>
+              <a:tr h="0">
+                <a:tc>
+                  <a:txBody>
+                    <a:bodyPr/>
+                    <a:lstStyle/>
+                    <a:p>
+                      <a:pPr indent="0" marL="0">
+                        <a:buNone/>
+                      </a:pPr>
+                      <a:r>
+                        <a:rPr lang="en-US" sz="1200" dirty="0">
+                          <a:solidFill>
+                            <a:srgbClr val="000000"/>
+                          </a:solidFill>
+                        </a:rPr>
+                        <a:t>Role</a:t>
+                      </a:r>
+                      <a:endParaRPr lang="en-US" sz="1200" dirty="0"/>
+                    </a:p>
+                  </a:txBody>
+                  <a:tcPr marL="91440" marR="91440" marT="45720" marB="45720">
+                    <a:lnL w="12700" cap="flat" cmpd="sng" algn="ctr">
+                      <a:solidFill>
+                        <a:srgbClr val="000000"/>
+                      </a:solidFill>
+                      <a:prstDash val="solid"/>
+                      <a:round/>
+                      <a:headEnd type="none" w="med" len="med"/>
+                      <a:tailEnd type="none" w="med" len="med"/>
+                    </a:lnL>
+                    <a:lnR w="12700" cap="flat" cmpd="sng" algn="ctr">
+                      <a:solidFill>
+                        <a:srgbClr val="000000"/>
+                      </a:solidFill>
+                      <a:prstDash val="solid"/>
+                      <a:round/>
+                      <a:headEnd type="none" w="med" len="med"/>
+                      <a:tailEnd type="none" w="med" len="med"/>
+                    </a:lnR>
+                    <a:lnT w="12700" cap="flat" cmpd="sng" algn="ctr">
+                      <a:solidFill>
+                        <a:srgbClr val="000000"/>
+                      </a:solidFill>
+                      <a:prstDash val="solid"/>
+                      <a:round/>
+                      <a:headEnd type="none" w="med" len="med"/>
+                      <a:tailEnd type="none" w="med" len="med"/>
+                    </a:lnT>
+                    <a:lnB w="12700" cap="flat" cmpd="sng" algn="ctr">
+                      <a:solidFill>
+                        <a:srgbClr val="000000"/>
+                      </a:solidFill>
+                      <a:prstDash val="solid"/>
+                      <a:round/>
+                      <a:headEnd type="none" w="med" len="med"/>
+                      <a:tailEnd type="none" w="med" len="med"/>
+                    </a:lnB>
+                  </a:tcPr>
+                </a:tc>
+                <a:tc>
+                  <a:txBody>
+                    <a:bodyPr/>
+                    <a:lstStyle/>
+                    <a:p>
+                      <a:pPr indent="0" marL="0">
+                        <a:buNone/>
+                      </a:pPr>
+                      <a:r>
+                        <a:rPr lang="en-US" sz="1200" dirty="0">
+                          <a:solidFill>
+                            <a:srgbClr val="000000"/>
+                          </a:solidFill>
+                        </a:rPr>
+                        <a:t>Wicket-Keeper Batsman</a:t>
+                      </a:r>
+                      <a:endParaRPr lang="en-US" sz="1200" dirty="0"/>
+                    </a:p>
+                  </a:txBody>
+                  <a:tcPr marL="91440" marR="91440" marT="45720" marB="45720">
+                    <a:lnL w="12700" cap="flat" cmpd="sng" algn="ctr">
+                      <a:solidFill>
+                        <a:srgbClr val="000000"/>
+                      </a:solidFill>
+                      <a:prstDash val="solid"/>
+                      <a:round/>
+                      <a:headEnd type="none" w="med" len="med"/>
+                      <a:tailEnd type="none" w="med" len="med"/>
+                    </a:lnL>
+                    <a:lnR w="12700" cap="flat" cmpd="sng" algn="ctr">
+                      <a:solidFill>
+                        <a:srgbClr val="000000"/>
+                      </a:solidFill>
+                      <a:prstDash val="solid"/>
+                      <a:round/>
+                      <a:headEnd type="none" w="med" len="med"/>
+                      <a:tailEnd type="none" w="med" len="med"/>
+                    </a:lnR>
+                    <a:lnT w="12700" cap="flat" cmpd="sng" algn="ctr">
+                      <a:solidFill>
+                        <a:srgbClr val="000000"/>
+                      </a:solidFill>
+                      <a:prstDash val="solid"/>
+                      <a:round/>
+                      <a:headEnd type="none" w="med" len="med"/>
+                      <a:tailEnd type="none" w="med" len="med"/>
+                    </a:lnT>
+                    <a:lnB w="12700" cap="flat" cmpd="sng" algn="ctr">
+                      <a:solidFill>
+                        <a:srgbClr val="000000"/>
+                      </a:solidFill>
+                      <a:prstDash val="solid"/>
+                      <a:round/>
+                      <a:headEnd type="none" w="med" len="med"/>
+                      <a:tailEnd type="none" w="med" len="med"/>
+                    </a:lnB>
+                  </a:tcPr>
+                </a:tc>
+              </a:tr>
+              <a:tr h="0">
+                <a:tc>
+                  <a:txBody>
+                    <a:bodyPr/>
+                    <a:lstStyle/>
+                    <a:p>
+                      <a:pPr indent="0" marL="0">
+                        <a:buNone/>
+                      </a:pPr>
+                      <a:r>
+                        <a:rPr lang="en-US" sz="1200" dirty="0">
+                          <a:solidFill>
+                            <a:srgbClr val="000000"/>
+                          </a:solidFill>
+                        </a:rPr>
+                        <a:t>Team</a:t>
+                      </a:r>
+                      <a:endParaRPr lang="en-US" sz="1200" dirty="0"/>
+                    </a:p>
+                  </a:txBody>
+                  <a:tcPr marL="91440" marR="91440" marT="45720" marB="45720">
+                    <a:lnL w="12700" cap="flat" cmpd="sng" algn="ctr">
+                      <a:solidFill>
+                        <a:srgbClr val="000000"/>
+                      </a:solidFill>
+                      <a:prstDash val="solid"/>
+                      <a:round/>
+                      <a:headEnd type="none" w="med" len="med"/>
+                      <a:tailEnd type="none" w="med" len="med"/>
+                    </a:lnL>
+                    <a:lnR w="12700" cap="flat" cmpd="sng" algn="ctr">
+                      <a:solidFill>
+                        <a:srgbClr val="000000"/>
+                      </a:solidFill>
+                      <a:prstDash val="solid"/>
+                      <a:round/>
+                      <a:headEnd type="none" w="med" len="med"/>
+                      <a:tailEnd type="none" w="med" len="med"/>
+                    </a:lnR>
+                    <a:lnT w="12700" cap="flat" cmpd="sng" algn="ctr">
+                      <a:solidFill>
+                        <a:srgbClr val="000000"/>
+                      </a:solidFill>
+                      <a:prstDash val="solid"/>
+                      <a:round/>
+                      <a:headEnd type="none" w="med" len="med"/>
+                      <a:tailEnd type="none" w="med" len="med"/>
+                    </a:lnT>
+                    <a:lnB w="12700" cap="flat" cmpd="sng" algn="ctr">
+                      <a:solidFill>
+                        <a:srgbClr val="000000"/>
+                      </a:solidFill>
+                      <a:prstDash val="solid"/>
+                      <a:round/>
+                      <a:headEnd type="none" w="med" len="med"/>
+                      <a:tailEnd type="none" w="med" len="med"/>
+                    </a:lnB>
+                  </a:tcPr>
+                </a:tc>
+                <a:tc>
+                  <a:txBody>
+                    <a:bodyPr/>
+                    <a:lstStyle/>
+                    <a:p>
+                      <a:pPr indent="0" marL="0">
+                        <a:buNone/>
+                      </a:pPr>
+                      <a:r>
+                        <a:rPr lang="en-US" sz="1200" dirty="0">
+                          <a:solidFill>
+                            <a:srgbClr val="000000"/>
+                          </a:solidFill>
+                        </a:rPr>
+                        <a:t>Chennai Super Kings</a:t>
+                      </a:r>
+                      <a:endParaRPr lang="en-US" sz="1200" dirty="0"/>
+                    </a:p>
+                  </a:txBody>
+                  <a:tcPr marL="91440" marR="91440" marT="45720" marB="45720">
+                    <a:lnL w="12700" cap="flat" cmpd="sng" algn="ctr">
+                      <a:solidFill>
+                        <a:srgbClr val="000000"/>
+                      </a:solidFill>
+                      <a:prstDash val="solid"/>
+                      <a:round/>
+                      <a:headEnd type="none" w="med" len="med"/>
+                      <a:tailEnd type="none" w="med" len="med"/>
+                    </a:lnL>
+                    <a:lnR w="12700" cap="flat" cmpd="sng" algn="ctr">
+                      <a:solidFill>
+                        <a:srgbClr val="000000"/>
+                      </a:solidFill>
+                      <a:prstDash val="solid"/>
+                      <a:round/>
+                      <a:headEnd type="none" w="med" len="med"/>
+                      <a:tailEnd type="none" w="med" len="med"/>
+                    </a:lnR>
+                    <a:lnT w="12700" cap="flat" cmpd="sng" algn="ctr">
+                      <a:solidFill>
+                        <a:srgbClr val="000000"/>
+                      </a:solidFill>
+                      <a:prstDash val="solid"/>
+                      <a:round/>
+                      <a:headEnd type="none" w="med" len="med"/>
+                      <a:tailEnd type="none" w="med" len="med"/>
+                    </a:lnT>
+                    <a:lnB w="12700" cap="flat" cmpd="sng" algn="ctr">
+                      <a:solidFill>
+                        <a:srgbClr val="000000"/>
+                      </a:solidFill>
+                      <a:prstDash val="solid"/>
+                      <a:round/>
+                      <a:headEnd type="none" w="med" len="med"/>
+                      <a:tailEnd type="none" w="med" len="med"/>
+                    </a:lnB>
+                  </a:tcPr>
+                </a:tc>
+              </a:tr>
+              <a:tr h="0">
+                <a:tc>
+                  <a:txBody>
+                    <a:bodyPr/>
+                    <a:lstStyle/>
+                    <a:p>
+                      <a:pPr indent="0" marL="0">
+                        <a:buNone/>
+                      </a:pPr>
+                      <a:r>
+                        <a:rPr lang="en-US" sz="1200" dirty="0">
+                          <a:solidFill>
+                            <a:srgbClr val="000000"/>
+                          </a:solidFill>
+                        </a:rPr>
+                        <a:t>Country</a:t>
+                      </a:r>
+                      <a:endParaRPr lang="en-US" sz="1200" dirty="0"/>
+                    </a:p>
+                  </a:txBody>
+                  <a:tcPr marL="91440" marR="91440" marT="45720" marB="45720">
+                    <a:lnL w="12700" cap="flat" cmpd="sng" algn="ctr">
+                      <a:solidFill>
+                        <a:srgbClr val="000000"/>
+                      </a:solidFill>
+                      <a:prstDash val="solid"/>
+                      <a:round/>
+                      <a:headEnd type="none" w="med" len="med"/>
+                      <a:tailEnd type="none" w="med" len="med"/>
+                    </a:lnL>
+                    <a:lnR w="12700" cap="flat" cmpd="sng" algn="ctr">
+                      <a:solidFill>
+                        <a:srgbClr val="000000"/>
+                      </a:solidFill>
+                      <a:prstDash val="solid"/>
+                      <a:round/>
+                      <a:headEnd type="none" w="med" len="med"/>
+                      <a:tailEnd type="none" w="med" len="med"/>
+                    </a:lnR>
+                    <a:lnT w="12700" cap="flat" cmpd="sng" algn="ctr">
+                      <a:solidFill>
+                        <a:srgbClr val="000000"/>
+                      </a:solidFill>
+                      <a:prstDash val="solid"/>
+                      <a:round/>
+                      <a:headEnd type="none" w="med" len="med"/>
+                      <a:tailEnd type="none" w="med" len="med"/>
+                    </a:lnT>
+                    <a:lnB w="12700" cap="flat" cmpd="sng" algn="ctr">
+                      <a:solidFill>
+                        <a:srgbClr val="000000"/>
+                      </a:solidFill>
+                      <a:prstDash val="solid"/>
+                      <a:round/>
+                      <a:headEnd type="none" w="med" len="med"/>
+                      <a:tailEnd type="none" w="med" len="med"/>
+                    </a:lnB>
+                  </a:tcPr>
+                </a:tc>
+                <a:tc>
+                  <a:txBody>
+                    <a:bodyPr/>
+                    <a:lstStyle/>
+                    <a:p>
+                      <a:pPr indent="0" marL="0">
+                        <a:buNone/>
+                      </a:pPr>
+                      <a:r>
+                        <a:rPr lang="en-US" sz="1200" dirty="0">
+                          <a:solidFill>
+                            <a:srgbClr val="000000"/>
+                          </a:solidFill>
+                        </a:rPr>
+                        <a:t>India</a:t>
+                      </a:r>
+                      <a:endParaRPr lang="en-US" sz="1200" dirty="0"/>
+                    </a:p>
+                  </a:txBody>
+                  <a:tcPr marL="91440" marR="91440" marT="45720" marB="45720">
+                    <a:lnL w="12700" cap="flat" cmpd="sng" algn="ctr">
+                      <a:solidFill>
+                        <a:srgbClr val="000000"/>
+                      </a:solidFill>
+                      <a:prstDash val="solid"/>
+                      <a:round/>
+                      <a:headEnd type="none" w="med" len="med"/>
+                      <a:tailEnd type="none" w="med" len="med"/>
+                    </a:lnL>
+                    <a:lnR w="12700" cap="flat" cmpd="sng" algn="ctr">
+                      <a:solidFill>
+                        <a:srgbClr val="000000"/>
+                      </a:solidFill>
+                      <a:prstDash val="solid"/>
+                      <a:round/>
+                      <a:headEnd type="none" w="med" len="med"/>
+                      <a:tailEnd type="none" w="med" len="med"/>
+                    </a:lnR>
+                    <a:lnT w="12700" cap="flat" cmpd="sng" algn="ctr">
+                      <a:solidFill>
+                        <a:srgbClr val="000000"/>
+                      </a:solidFill>
+                      <a:prstDash val="solid"/>
+                      <a:round/>
+                      <a:headEnd type="none" w="med" len="med"/>
+                      <a:tailEnd type="none" w="med" len="med"/>
+                    </a:lnT>
+                    <a:lnB w="12700" cap="flat" cmpd="sng" algn="ctr">
+                      <a:solidFill>
+                        <a:srgbClr val="000000"/>
+                      </a:solidFill>
+                      <a:prstDash val="solid"/>
+                      <a:round/>
+                      <a:headEnd type="none" w="med" len="med"/>
+                      <a:tailEnd type="none" w="med" len="med"/>
+                    </a:lnB>
+                  </a:tcPr>
+                </a:tc>
+              </a:tr>
+            </a:tbl>
+          </a:graphicData>
+        </a:graphic>
+      </p:graphicFrame>
     </p:spTree>
   </p:cSld>
   <p:clrMapOvr>
